--- a/docs/songs_06-02-2022.pptx
+++ b/docs/songs_06-02-2022.pptx
@@ -328,7 +328,7 @@
             <a:fld id="{26EA1CF3-4A15-4CBF-9A5A-6A56C368BE71}" type="datetimeFigureOut">
               <a:rPr lang="en-GB" smtClean="0"/>
               <a:pPr/>
-              <a:t>31/01/2022</a:t>
+              <a:t>23/02/2022</a:t>
             </a:fld>
             <a:endParaRPr lang="en-GB"/>
           </a:p>
@@ -495,7 +495,7 @@
             <a:fld id="{26EA1CF3-4A15-4CBF-9A5A-6A56C368BE71}" type="datetimeFigureOut">
               <a:rPr lang="en-GB" smtClean="0"/>
               <a:pPr/>
-              <a:t>31/01/2022</a:t>
+              <a:t>23/02/2022</a:t>
             </a:fld>
             <a:endParaRPr lang="en-GB"/>
           </a:p>
@@ -672,7 +672,7 @@
             <a:fld id="{26EA1CF3-4A15-4CBF-9A5A-6A56C368BE71}" type="datetimeFigureOut">
               <a:rPr lang="en-GB" smtClean="0"/>
               <a:pPr/>
-              <a:t>31/01/2022</a:t>
+              <a:t>23/02/2022</a:t>
             </a:fld>
             <a:endParaRPr lang="en-GB"/>
           </a:p>
@@ -839,7 +839,7 @@
             <a:fld id="{26EA1CF3-4A15-4CBF-9A5A-6A56C368BE71}" type="datetimeFigureOut">
               <a:rPr lang="en-GB" smtClean="0"/>
               <a:pPr/>
-              <a:t>31/01/2022</a:t>
+              <a:t>23/02/2022</a:t>
             </a:fld>
             <a:endParaRPr lang="en-GB"/>
           </a:p>
@@ -1082,7 +1082,7 @@
             <a:fld id="{26EA1CF3-4A15-4CBF-9A5A-6A56C368BE71}" type="datetimeFigureOut">
               <a:rPr lang="en-GB" smtClean="0"/>
               <a:pPr/>
-              <a:t>31/01/2022</a:t>
+              <a:t>23/02/2022</a:t>
             </a:fld>
             <a:endParaRPr lang="en-GB"/>
           </a:p>
@@ -1367,7 +1367,7 @@
             <a:fld id="{26EA1CF3-4A15-4CBF-9A5A-6A56C368BE71}" type="datetimeFigureOut">
               <a:rPr lang="en-GB" smtClean="0"/>
               <a:pPr/>
-              <a:t>31/01/2022</a:t>
+              <a:t>23/02/2022</a:t>
             </a:fld>
             <a:endParaRPr lang="en-GB"/>
           </a:p>
@@ -1786,7 +1786,7 @@
             <a:fld id="{26EA1CF3-4A15-4CBF-9A5A-6A56C368BE71}" type="datetimeFigureOut">
               <a:rPr lang="en-GB" smtClean="0"/>
               <a:pPr/>
-              <a:t>31/01/2022</a:t>
+              <a:t>23/02/2022</a:t>
             </a:fld>
             <a:endParaRPr lang="en-GB"/>
           </a:p>
@@ -1901,7 +1901,7 @@
             <a:fld id="{26EA1CF3-4A15-4CBF-9A5A-6A56C368BE71}" type="datetimeFigureOut">
               <a:rPr lang="en-GB" smtClean="0"/>
               <a:pPr/>
-              <a:t>31/01/2022</a:t>
+              <a:t>23/02/2022</a:t>
             </a:fld>
             <a:endParaRPr lang="en-GB"/>
           </a:p>
@@ -1993,7 +1993,7 @@
             <a:fld id="{26EA1CF3-4A15-4CBF-9A5A-6A56C368BE71}" type="datetimeFigureOut">
               <a:rPr lang="en-GB" smtClean="0"/>
               <a:pPr/>
-              <a:t>31/01/2022</a:t>
+              <a:t>23/02/2022</a:t>
             </a:fld>
             <a:endParaRPr lang="en-GB"/>
           </a:p>
@@ -2267,7 +2267,7 @@
             <a:fld id="{26EA1CF3-4A15-4CBF-9A5A-6A56C368BE71}" type="datetimeFigureOut">
               <a:rPr lang="en-GB" smtClean="0"/>
               <a:pPr/>
-              <a:t>31/01/2022</a:t>
+              <a:t>23/02/2022</a:t>
             </a:fld>
             <a:endParaRPr lang="en-GB"/>
           </a:p>
@@ -2517,7 +2517,7 @@
             <a:fld id="{26EA1CF3-4A15-4CBF-9A5A-6A56C368BE71}" type="datetimeFigureOut">
               <a:rPr lang="en-GB" smtClean="0"/>
               <a:pPr/>
-              <a:t>31/01/2022</a:t>
+              <a:t>23/02/2022</a:t>
             </a:fld>
             <a:endParaRPr lang="en-GB"/>
           </a:p>
@@ -2730,7 +2730,7 @@
             <a:fld id="{26EA1CF3-4A15-4CBF-9A5A-6A56C368BE71}" type="datetimeFigureOut">
               <a:rPr lang="en-GB" smtClean="0"/>
               <a:pPr/>
-              <a:t>31/01/2022</a:t>
+              <a:t>23/02/2022</a:t>
             </a:fld>
             <a:endParaRPr lang="en-GB"/>
           </a:p>
